--- a/outils_numeriques/b1_methodes_numeriques/seance2_equation_diff/B1_s2_0_CircuitRC.pptx
+++ b/outils_numeriques/b1_methodes_numeriques/seance2_equation_diff/B1_s2_0_CircuitRC.pptx
@@ -205,7 +205,7 @@
           <a:p>
             <a:fld id="{95F60532-AC81-4152-B45E-E054A978F780}" type="datetimeFigureOut">
               <a:rPr lang="fr-FR" smtClean="0"/>
-              <a:t>20/04/2023</a:t>
+              <a:t>05/05/2023</a:t>
             </a:fld>
             <a:endParaRPr lang="fr-FR"/>
           </a:p>
@@ -712,7 +712,7 @@
           <a:p>
             <a:fld id="{785B9D93-2D6F-4658-911E-89FF557AACEE}" type="datetime1">
               <a:rPr lang="en-US" smtClean="0"/>
-              <a:t>4/20/2023</a:t>
+              <a:t>5/5/2023</a:t>
             </a:fld>
             <a:endParaRPr lang="en-US" dirty="0"/>
           </a:p>
@@ -1082,7 +1082,7 @@
           <a:p>
             <a:fld id="{4709A133-4251-46D0-8E1C-3DC2CCEEC594}" type="datetime1">
               <a:rPr lang="en-US" smtClean="0"/>
-              <a:t>4/20/2023</a:t>
+              <a:t>5/5/2023</a:t>
             </a:fld>
             <a:endParaRPr lang="en-US"/>
           </a:p>
@@ -1291,7 +1291,7 @@
           <a:p>
             <a:fld id="{757C9D7A-C246-41BC-AB36-CBBE03C4FC3D}" type="datetime1">
               <a:rPr lang="en-US" smtClean="0"/>
-              <a:t>4/20/2023</a:t>
+              <a:t>5/5/2023</a:t>
             </a:fld>
             <a:endParaRPr lang="en-US"/>
           </a:p>
@@ -1761,7 +1761,7 @@
           <a:p>
             <a:fld id="{DD23859D-5799-4C59-B29C-0D397C1B3B07}" type="datetime1">
               <a:rPr lang="en-US" smtClean="0"/>
-              <a:t>4/20/2023</a:t>
+              <a:t>5/5/2023</a:t>
             </a:fld>
             <a:endParaRPr lang="en-US"/>
           </a:p>
@@ -2215,7 +2215,7 @@
           <a:p>
             <a:fld id="{B36A9650-6794-4EE4-9500-0C43A7CB6B4A}" type="datetime1">
               <a:rPr lang="en-US" smtClean="0"/>
-              <a:t>4/20/2023</a:t>
+              <a:t>5/5/2023</a:t>
             </a:fld>
             <a:endParaRPr lang="en-US"/>
           </a:p>
@@ -2747,7 +2747,7 @@
           <a:p>
             <a:fld id="{1792256C-3121-4D72-8DFF-855B713C834E}" type="datetime1">
               <a:rPr lang="en-US" smtClean="0"/>
-              <a:t>4/20/2023</a:t>
+              <a:t>5/5/2023</a:t>
             </a:fld>
             <a:endParaRPr lang="en-US"/>
           </a:p>
@@ -3446,7 +3446,7 @@
           <a:p>
             <a:fld id="{580DF3A2-C727-46A5-9AC9-16B2E63C7D3A}" type="datetime1">
               <a:rPr lang="en-US" smtClean="0"/>
-              <a:t>4/20/2023</a:t>
+              <a:t>5/5/2023</a:t>
             </a:fld>
             <a:endParaRPr lang="en-US"/>
           </a:p>
@@ -3775,7 +3775,7 @@
           <a:p>
             <a:fld id="{9D23748C-796D-4F23-89AF-A2738DF446EE}" type="datetime1">
               <a:rPr lang="en-US" smtClean="0"/>
-              <a:t>4/20/2023</a:t>
+              <a:t>5/5/2023</a:t>
             </a:fld>
             <a:endParaRPr lang="en-US"/>
           </a:p>
@@ -3888,7 +3888,7 @@
           <a:p>
             <a:fld id="{B3AFB1A7-BA76-4344-B812-B8E53F62AA62}" type="datetime1">
               <a:rPr lang="en-US" smtClean="0"/>
-              <a:t>4/20/2023</a:t>
+              <a:t>5/5/2023</a:t>
             </a:fld>
             <a:endParaRPr lang="en-US"/>
           </a:p>
@@ -4383,7 +4383,7 @@
           <a:p>
             <a:fld id="{D2DB139E-AA5F-415E-A7EE-D6EE1B304D34}" type="datetime1">
               <a:rPr lang="en-US" smtClean="0"/>
-              <a:t>4/20/2023</a:t>
+              <a:t>5/5/2023</a:t>
             </a:fld>
             <a:endParaRPr lang="en-US" dirty="0"/>
           </a:p>
@@ -4860,7 +4860,7 @@
           <a:p>
             <a:fld id="{B0611B75-8EAE-4E82-AD4E-BC980BBD0DF6}" type="datetime1">
               <a:rPr lang="en-US" smtClean="0"/>
-              <a:t>4/20/2023</a:t>
+              <a:t>5/5/2023</a:t>
             </a:fld>
             <a:endParaRPr lang="en-US"/>
           </a:p>
@@ -5103,7 +5103,7 @@
           <a:p>
             <a:fld id="{5A39691B-EC2E-4EEE-9557-97A59C128178}" type="datetime1">
               <a:rPr lang="en-US" smtClean="0"/>
-              <a:t>4/20/2023</a:t>
+              <a:t>5/5/2023</a:t>
             </a:fld>
             <a:endParaRPr lang="en-US"/>
           </a:p>
